--- a/docs/ERD_My_Event.pptx
+++ b/docs/ERD_My_Event.pptx
@@ -259,7 +259,7 @@
           <a:p>
             <a:fld id="{0ECFAC63-E324-4EE9-AAAF-2710860A7A18}" type="datetimeFigureOut">
               <a:rPr lang="en-US" smtClean="0"/>
-              <a:t>11/30/2021</a:t>
+              <a:t>12/1/2021</a:t>
             </a:fld>
             <a:endParaRPr lang="en-US"/>
           </a:p>
@@ -457,7 +457,7 @@
           <a:p>
             <a:fld id="{0ECFAC63-E324-4EE9-AAAF-2710860A7A18}" type="datetimeFigureOut">
               <a:rPr lang="en-US" smtClean="0"/>
-              <a:t>11/30/2021</a:t>
+              <a:t>12/1/2021</a:t>
             </a:fld>
             <a:endParaRPr lang="en-US"/>
           </a:p>
@@ -665,7 +665,7 @@
           <a:p>
             <a:fld id="{0ECFAC63-E324-4EE9-AAAF-2710860A7A18}" type="datetimeFigureOut">
               <a:rPr lang="en-US" smtClean="0"/>
-              <a:t>11/30/2021</a:t>
+              <a:t>12/1/2021</a:t>
             </a:fld>
             <a:endParaRPr lang="en-US"/>
           </a:p>
@@ -863,7 +863,7 @@
           <a:p>
             <a:fld id="{0ECFAC63-E324-4EE9-AAAF-2710860A7A18}" type="datetimeFigureOut">
               <a:rPr lang="en-US" smtClean="0"/>
-              <a:t>11/30/2021</a:t>
+              <a:t>12/1/2021</a:t>
             </a:fld>
             <a:endParaRPr lang="en-US"/>
           </a:p>
@@ -1138,7 +1138,7 @@
           <a:p>
             <a:fld id="{0ECFAC63-E324-4EE9-AAAF-2710860A7A18}" type="datetimeFigureOut">
               <a:rPr lang="en-US" smtClean="0"/>
-              <a:t>11/30/2021</a:t>
+              <a:t>12/1/2021</a:t>
             </a:fld>
             <a:endParaRPr lang="en-US"/>
           </a:p>
@@ -1403,7 +1403,7 @@
           <a:p>
             <a:fld id="{0ECFAC63-E324-4EE9-AAAF-2710860A7A18}" type="datetimeFigureOut">
               <a:rPr lang="en-US" smtClean="0"/>
-              <a:t>11/30/2021</a:t>
+              <a:t>12/1/2021</a:t>
             </a:fld>
             <a:endParaRPr lang="en-US"/>
           </a:p>
@@ -1815,7 +1815,7 @@
           <a:p>
             <a:fld id="{0ECFAC63-E324-4EE9-AAAF-2710860A7A18}" type="datetimeFigureOut">
               <a:rPr lang="en-US" smtClean="0"/>
-              <a:t>11/30/2021</a:t>
+              <a:t>12/1/2021</a:t>
             </a:fld>
             <a:endParaRPr lang="en-US"/>
           </a:p>
@@ -1956,7 +1956,7 @@
           <a:p>
             <a:fld id="{0ECFAC63-E324-4EE9-AAAF-2710860A7A18}" type="datetimeFigureOut">
               <a:rPr lang="en-US" smtClean="0"/>
-              <a:t>11/30/2021</a:t>
+              <a:t>12/1/2021</a:t>
             </a:fld>
             <a:endParaRPr lang="en-US"/>
           </a:p>
@@ -2069,7 +2069,7 @@
           <a:p>
             <a:fld id="{0ECFAC63-E324-4EE9-AAAF-2710860A7A18}" type="datetimeFigureOut">
               <a:rPr lang="en-US" smtClean="0"/>
-              <a:t>11/30/2021</a:t>
+              <a:t>12/1/2021</a:t>
             </a:fld>
             <a:endParaRPr lang="en-US"/>
           </a:p>
@@ -2380,7 +2380,7 @@
           <a:p>
             <a:fld id="{0ECFAC63-E324-4EE9-AAAF-2710860A7A18}" type="datetimeFigureOut">
               <a:rPr lang="en-US" smtClean="0"/>
-              <a:t>11/30/2021</a:t>
+              <a:t>12/1/2021</a:t>
             </a:fld>
             <a:endParaRPr lang="en-US"/>
           </a:p>
@@ -2668,7 +2668,7 @@
           <a:p>
             <a:fld id="{0ECFAC63-E324-4EE9-AAAF-2710860A7A18}" type="datetimeFigureOut">
               <a:rPr lang="en-US" smtClean="0"/>
-              <a:t>11/30/2021</a:t>
+              <a:t>12/1/2021</a:t>
             </a:fld>
             <a:endParaRPr lang="en-US"/>
           </a:p>
@@ -2909,7 +2909,7 @@
           <a:p>
             <a:fld id="{0ECFAC63-E324-4EE9-AAAF-2710860A7A18}" type="datetimeFigureOut">
               <a:rPr lang="en-US" smtClean="0"/>
-              <a:t>11/30/2021</a:t>
+              <a:t>12/1/2021</a:t>
             </a:fld>
             <a:endParaRPr lang="en-US"/>
           </a:p>
@@ -3622,13 +3622,13 @@
           <p:nvPr>
             <p:extLst>
               <p:ext uri="{D42A27DB-BD31-4B8C-83A1-F6EECF244321}">
-                <p14:modId xmlns:p14="http://schemas.microsoft.com/office/powerpoint/2010/main" val="2922772683"/>
+                <p14:modId xmlns:p14="http://schemas.microsoft.com/office/powerpoint/2010/main" val="3296293113"/>
               </p:ext>
             </p:extLst>
           </p:nvPr>
         </p:nvGraphicFramePr>
         <p:xfrm>
-          <a:off x="5434218" y="3423359"/>
+          <a:off x="5269099" y="3798497"/>
           <a:ext cx="2241828" cy="1340421"/>
         </p:xfrm>
         <a:graphic>
@@ -4090,135 +4090,21 @@
           </a:graphicData>
         </a:graphic>
       </p:graphicFrame>
-      <p:cxnSp>
-        <p:nvCxnSpPr>
-          <p:cNvPr id="23" name="Straight Connector 22">
-            <a:extLst>
-              <a:ext uri="{FF2B5EF4-FFF2-40B4-BE49-F238E27FC236}">
-                <a16:creationId xmlns:a16="http://schemas.microsoft.com/office/drawing/2014/main" id="{C3CEE55E-3340-4030-B209-A6CFF187931B}"/>
-              </a:ext>
-            </a:extLst>
-          </p:cNvPr>
-          <p:cNvCxnSpPr>
-            <a:cxnSpLocks/>
-          </p:cNvCxnSpPr>
+      <p:sp>
+        <p:nvSpPr>
+          <p:cNvPr id="31" name="TextBox 30">
+            <a:extLst>
+              <a:ext uri="{FF2B5EF4-FFF2-40B4-BE49-F238E27FC236}">
+                <a16:creationId xmlns:a16="http://schemas.microsoft.com/office/drawing/2014/main" id="{B9380025-A394-4118-9935-5F2B197EF3D2}"/>
+              </a:ext>
+            </a:extLst>
+          </p:cNvPr>
+          <p:cNvSpPr txBox="1"/>
           <p:nvPr/>
-        </p:nvCxnSpPr>
-        <p:spPr>
-          <a:xfrm flipV="1">
-            <a:off x="4208585" y="4058302"/>
-            <a:ext cx="0" cy="439684"/>
-          </a:xfrm>
-          <a:prstGeom prst="line">
-            <a:avLst/>
-          </a:prstGeom>
-        </p:spPr>
-        <p:style>
-          <a:lnRef idx="1">
-            <a:schemeClr val="accent1"/>
-          </a:lnRef>
-          <a:fillRef idx="0">
-            <a:schemeClr val="accent1"/>
-          </a:fillRef>
-          <a:effectRef idx="0">
-            <a:schemeClr val="accent1"/>
-          </a:effectRef>
-          <a:fontRef idx="minor">
-            <a:schemeClr val="tx1"/>
-          </a:fontRef>
-        </p:style>
-      </p:cxnSp>
-      <p:cxnSp>
-        <p:nvCxnSpPr>
-          <p:cNvPr id="25" name="Straight Connector 24">
-            <a:extLst>
-              <a:ext uri="{FF2B5EF4-FFF2-40B4-BE49-F238E27FC236}">
-                <a16:creationId xmlns:a16="http://schemas.microsoft.com/office/drawing/2014/main" id="{A6A4AEAD-901A-448C-A705-5785ECBBF651}"/>
-              </a:ext>
-            </a:extLst>
-          </p:cNvPr>
-          <p:cNvCxnSpPr>
-            <a:cxnSpLocks/>
-          </p:cNvCxnSpPr>
-          <p:nvPr/>
-        </p:nvCxnSpPr>
-        <p:spPr>
-          <a:xfrm flipV="1">
-            <a:off x="4208585" y="4483173"/>
-            <a:ext cx="1204075" cy="14813"/>
-          </a:xfrm>
-          <a:prstGeom prst="line">
-            <a:avLst/>
-          </a:prstGeom>
-        </p:spPr>
-        <p:style>
-          <a:lnRef idx="1">
-            <a:schemeClr val="accent1"/>
-          </a:lnRef>
-          <a:fillRef idx="0">
-            <a:schemeClr val="accent1"/>
-          </a:fillRef>
-          <a:effectRef idx="0">
-            <a:schemeClr val="accent1"/>
-          </a:effectRef>
-          <a:fontRef idx="minor">
-            <a:schemeClr val="tx1"/>
-          </a:fontRef>
-        </p:style>
-      </p:cxnSp>
-      <p:cxnSp>
-        <p:nvCxnSpPr>
-          <p:cNvPr id="29" name="Straight Connector 28">
-            <a:extLst>
-              <a:ext uri="{FF2B5EF4-FFF2-40B4-BE49-F238E27FC236}">
-                <a16:creationId xmlns:a16="http://schemas.microsoft.com/office/drawing/2014/main" id="{1462CFE6-BD0D-44F9-92B3-4B51A95DBC8C}"/>
-              </a:ext>
-            </a:extLst>
-          </p:cNvPr>
-          <p:cNvCxnSpPr>
-            <a:cxnSpLocks/>
-          </p:cNvCxnSpPr>
-          <p:nvPr/>
-        </p:nvCxnSpPr>
+        </p:nvSpPr>
         <p:spPr>
           <a:xfrm>
-            <a:off x="3295668" y="4070123"/>
-            <a:ext cx="912917" cy="0"/>
-          </a:xfrm>
-          <a:prstGeom prst="line">
-            <a:avLst/>
-          </a:prstGeom>
-        </p:spPr>
-        <p:style>
-          <a:lnRef idx="1">
-            <a:schemeClr val="accent1"/>
-          </a:lnRef>
-          <a:fillRef idx="0">
-            <a:schemeClr val="accent1"/>
-          </a:fillRef>
-          <a:effectRef idx="0">
-            <a:schemeClr val="accent1"/>
-          </a:effectRef>
-          <a:fontRef idx="minor">
-            <a:schemeClr val="tx1"/>
-          </a:fontRef>
-        </p:style>
-      </p:cxnSp>
-      <p:sp>
-        <p:nvSpPr>
-          <p:cNvPr id="31" name="TextBox 30">
-            <a:extLst>
-              <a:ext uri="{FF2B5EF4-FFF2-40B4-BE49-F238E27FC236}">
-                <a16:creationId xmlns:a16="http://schemas.microsoft.com/office/drawing/2014/main" id="{B9380025-A394-4118-9935-5F2B197EF3D2}"/>
-              </a:ext>
-            </a:extLst>
-          </p:cNvPr>
-          <p:cNvSpPr txBox="1"/>
-          <p:nvPr/>
-        </p:nvSpPr>
-        <p:spPr>
-          <a:xfrm>
-            <a:off x="6336187" y="2182012"/>
+            <a:off x="6099314" y="2213241"/>
             <a:ext cx="977353" cy="369332"/>
           </a:xfrm>
           <a:prstGeom prst="rect">
@@ -4328,8 +4214,8 @@
         </p:nvCxnSpPr>
         <p:spPr>
           <a:xfrm>
-            <a:off x="4146455" y="2115256"/>
-            <a:ext cx="1464183" cy="0"/>
+            <a:off x="4345747" y="2096836"/>
+            <a:ext cx="1252177" cy="0"/>
           </a:xfrm>
           <a:prstGeom prst="line">
             <a:avLst/>
@@ -4387,41 +4273,6 @@
       </p:sp>
       <p:sp>
         <p:nvSpPr>
-          <p:cNvPr id="58" name="TextBox 57">
-            <a:extLst>
-              <a:ext uri="{FF2B5EF4-FFF2-40B4-BE49-F238E27FC236}">
-                <a16:creationId xmlns:a16="http://schemas.microsoft.com/office/drawing/2014/main" id="{44B09D53-2EC9-487C-A0BC-33CDE81792FB}"/>
-              </a:ext>
-            </a:extLst>
-          </p:cNvPr>
-          <p:cNvSpPr txBox="1"/>
-          <p:nvPr/>
-        </p:nvSpPr>
-        <p:spPr>
-          <a:xfrm>
-            <a:off x="5248069" y="4406140"/>
-            <a:ext cx="977353" cy="307777"/>
-          </a:xfrm>
-          <a:prstGeom prst="rect">
-            <a:avLst/>
-          </a:prstGeom>
-          <a:noFill/>
-        </p:spPr>
-        <p:txBody>
-          <a:bodyPr wrap="square" rtlCol="0">
-            <a:spAutoFit/>
-          </a:bodyPr>
-          <a:lstStyle/>
-          <a:p>
-            <a:r>
-              <a:rPr lang="en-US" sz="1400" dirty="0"/>
-              <a:t>1</a:t>
-            </a:r>
-          </a:p>
-        </p:txBody>
-      </p:sp>
-      <p:sp>
-        <p:nvSpPr>
           <p:cNvPr id="59" name="TextBox 58">
             <a:extLst>
               <a:ext uri="{FF2B5EF4-FFF2-40B4-BE49-F238E27FC236}">
@@ -4457,10 +4308,10 @@
       </p:sp>
       <p:sp>
         <p:nvSpPr>
-          <p:cNvPr id="60" name="TextBox 59">
-            <a:extLst>
-              <a:ext uri="{FF2B5EF4-FFF2-40B4-BE49-F238E27FC236}">
-                <a16:creationId xmlns:a16="http://schemas.microsoft.com/office/drawing/2014/main" id="{AFEE8232-7961-4782-BBE9-092B71E4FB8D}"/>
+          <p:cNvPr id="61" name="TextBox 60">
+            <a:extLst>
+              <a:ext uri="{FF2B5EF4-FFF2-40B4-BE49-F238E27FC236}">
+                <a16:creationId xmlns:a16="http://schemas.microsoft.com/office/drawing/2014/main" id="{EFA5D203-33B6-48BB-BDDB-14F724A45EBC}"/>
               </a:ext>
             </a:extLst>
           </p:cNvPr>
@@ -4469,42 +4320,7 @@
         </p:nvSpPr>
         <p:spPr>
           <a:xfrm>
-            <a:off x="3169102" y="4036808"/>
-            <a:ext cx="977353" cy="369332"/>
-          </a:xfrm>
-          <a:prstGeom prst="rect">
-            <a:avLst/>
-          </a:prstGeom>
-          <a:noFill/>
-        </p:spPr>
-        <p:txBody>
-          <a:bodyPr wrap="square" rtlCol="0">
-            <a:spAutoFit/>
-          </a:bodyPr>
-          <a:lstStyle/>
-          <a:p>
-            <a:r>
-              <a:rPr lang="en-US" dirty="0"/>
-              <a:t>*</a:t>
-            </a:r>
-          </a:p>
-        </p:txBody>
-      </p:sp>
-      <p:sp>
-        <p:nvSpPr>
-          <p:cNvPr id="61" name="TextBox 60">
-            <a:extLst>
-              <a:ext uri="{FF2B5EF4-FFF2-40B4-BE49-F238E27FC236}">
-                <a16:creationId xmlns:a16="http://schemas.microsoft.com/office/drawing/2014/main" id="{EFA5D203-33B6-48BB-BDDB-14F724A45EBC}"/>
-              </a:ext>
-            </a:extLst>
-          </p:cNvPr>
-          <p:cNvSpPr txBox="1"/>
-          <p:nvPr/>
-        </p:nvSpPr>
-        <p:spPr>
-          <a:xfrm>
-            <a:off x="6336188" y="3168234"/>
+            <a:off x="6120355" y="3551995"/>
             <a:ext cx="977353" cy="307777"/>
           </a:xfrm>
           <a:prstGeom prst="rect">
@@ -4536,13 +4352,14 @@
           </p:cNvPr>
           <p:cNvCxnSpPr>
             <a:cxnSpLocks/>
+            <a:endCxn id="9" idx="0"/>
           </p:cNvCxnSpPr>
           <p:nvPr/>
         </p:nvCxnSpPr>
         <p:spPr>
           <a:xfrm>
-            <a:off x="6555132" y="2281502"/>
-            <a:ext cx="0" cy="1130134"/>
+            <a:off x="6390013" y="2271991"/>
+            <a:ext cx="0" cy="1526506"/>
           </a:xfrm>
           <a:prstGeom prst="line">
             <a:avLst/>
@@ -4580,7 +4397,7 @@
         <p:spPr>
           <a:xfrm flipH="1">
             <a:off x="3295668" y="3551995"/>
-            <a:ext cx="850788" cy="0"/>
+            <a:ext cx="1050080" cy="0"/>
           </a:xfrm>
           <a:prstGeom prst="line">
             <a:avLst/>
@@ -4617,7 +4434,7 @@
         </p:nvCxnSpPr>
         <p:spPr>
           <a:xfrm flipV="1">
-            <a:off x="4146455" y="2115256"/>
+            <a:off x="4345748" y="2115256"/>
             <a:ext cx="0" cy="1440687"/>
           </a:xfrm>
           <a:prstGeom prst="line">
